--- a/Daily Agendas/Day16.1_KineticEnergy.pptx
+++ b/Daily Agendas/Day16.1_KineticEnergy.pptx
@@ -303,7 +303,7 @@
             <a:fld id="{1D8BD707-D9CF-40AE-B4C6-C98DA3205C09}" type="datetimeFigureOut">
               <a:rPr lang="en-US" smtClean="0"/>
               <a:pPr/>
-              <a:t>12/16/2019</a:t>
+              <a:t>12/17/2019</a:t>
             </a:fld>
             <a:endParaRPr lang="en-US"/>
           </a:p>
@@ -468,7 +468,7 @@
             <a:fld id="{1D8BD707-D9CF-40AE-B4C6-C98DA3205C09}" type="datetimeFigureOut">
               <a:rPr lang="en-US" smtClean="0"/>
               <a:pPr/>
-              <a:t>12/16/2019</a:t>
+              <a:t>12/17/2019</a:t>
             </a:fld>
             <a:endParaRPr lang="en-US"/>
           </a:p>
@@ -643,7 +643,7 @@
             <a:fld id="{1D8BD707-D9CF-40AE-B4C6-C98DA3205C09}" type="datetimeFigureOut">
               <a:rPr lang="en-US" smtClean="0"/>
               <a:pPr/>
-              <a:t>12/16/2019</a:t>
+              <a:t>12/17/2019</a:t>
             </a:fld>
             <a:endParaRPr lang="en-US"/>
           </a:p>
@@ -808,7 +808,7 @@
             <a:fld id="{1D8BD707-D9CF-40AE-B4C6-C98DA3205C09}" type="datetimeFigureOut">
               <a:rPr lang="en-US" smtClean="0"/>
               <a:pPr/>
-              <a:t>12/16/2019</a:t>
+              <a:t>12/17/2019</a:t>
             </a:fld>
             <a:endParaRPr lang="en-US"/>
           </a:p>
@@ -1050,7 +1050,7 @@
             <a:fld id="{1D8BD707-D9CF-40AE-B4C6-C98DA3205C09}" type="datetimeFigureOut">
               <a:rPr lang="en-US" smtClean="0"/>
               <a:pPr/>
-              <a:t>12/16/2019</a:t>
+              <a:t>12/17/2019</a:t>
             </a:fld>
             <a:endParaRPr lang="en-US"/>
           </a:p>
@@ -1332,7 +1332,7 @@
             <a:fld id="{1D8BD707-D9CF-40AE-B4C6-C98DA3205C09}" type="datetimeFigureOut">
               <a:rPr lang="en-US" smtClean="0"/>
               <a:pPr/>
-              <a:t>12/16/2019</a:t>
+              <a:t>12/17/2019</a:t>
             </a:fld>
             <a:endParaRPr lang="en-US"/>
           </a:p>
@@ -1748,7 +1748,7 @@
             <a:fld id="{1D8BD707-D9CF-40AE-B4C6-C98DA3205C09}" type="datetimeFigureOut">
               <a:rPr lang="en-US" smtClean="0"/>
               <a:pPr/>
-              <a:t>12/16/2019</a:t>
+              <a:t>12/17/2019</a:t>
             </a:fld>
             <a:endParaRPr lang="en-US"/>
           </a:p>
@@ -1862,7 +1862,7 @@
             <a:fld id="{1D8BD707-D9CF-40AE-B4C6-C98DA3205C09}" type="datetimeFigureOut">
               <a:rPr lang="en-US" smtClean="0"/>
               <a:pPr/>
-              <a:t>12/16/2019</a:t>
+              <a:t>12/17/2019</a:t>
             </a:fld>
             <a:endParaRPr lang="en-US"/>
           </a:p>
@@ -1954,7 +1954,7 @@
             <a:fld id="{1D8BD707-D9CF-40AE-B4C6-C98DA3205C09}" type="datetimeFigureOut">
               <a:rPr lang="en-US" smtClean="0"/>
               <a:pPr/>
-              <a:t>12/16/2019</a:t>
+              <a:t>12/17/2019</a:t>
             </a:fld>
             <a:endParaRPr lang="en-US"/>
           </a:p>
@@ -2226,7 +2226,7 @@
             <a:fld id="{1D8BD707-D9CF-40AE-B4C6-C98DA3205C09}" type="datetimeFigureOut">
               <a:rPr lang="en-US" smtClean="0"/>
               <a:pPr/>
-              <a:t>12/16/2019</a:t>
+              <a:t>12/17/2019</a:t>
             </a:fld>
             <a:endParaRPr lang="en-US"/>
           </a:p>
@@ -2475,7 +2475,7 @@
             <a:fld id="{1D8BD707-D9CF-40AE-B4C6-C98DA3205C09}" type="datetimeFigureOut">
               <a:rPr lang="en-US" smtClean="0"/>
               <a:pPr/>
-              <a:t>12/16/2019</a:t>
+              <a:t>12/17/2019</a:t>
             </a:fld>
             <a:endParaRPr lang="en-US"/>
           </a:p>
@@ -2683,7 +2683,7 @@
             <a:fld id="{1D8BD707-D9CF-40AE-B4C6-C98DA3205C09}" type="datetimeFigureOut">
               <a:rPr lang="en-US" smtClean="0"/>
               <a:pPr/>
-              <a:t>12/16/2019</a:t>
+              <a:t>12/17/2019</a:t>
             </a:fld>
             <a:endParaRPr lang="en-US"/>
           </a:p>
@@ -3073,11 +3073,19 @@
           <a:p>
             <a:r>
               <a:rPr lang="en-CA" dirty="0" smtClean="0"/>
-              <a:t>Energy Types </a:t>
-            </a:r>
-            <a:r>
-              <a:rPr lang="en-US" dirty="0" smtClean="0"/>
-              <a:t>– Dec 13</a:t>
+              <a:t>Kinetic Energy </a:t>
+            </a:r>
+            <a:r>
+              <a:rPr lang="en-US" smtClean="0"/>
+              <a:t>– </a:t>
+            </a:r>
+            <a:r>
+              <a:rPr lang="en-US" smtClean="0"/>
+              <a:t>Dec </a:t>
+            </a:r>
+            <a:r>
+              <a:rPr lang="en-US" smtClean="0"/>
+              <a:t>16</a:t>
             </a:r>
             <a:r>
               <a:rPr lang="en-US" dirty="0"/>
@@ -3088,7 +3096,15 @@
             </a:br>
             <a:r>
               <a:rPr lang="en-US" sz="4000" dirty="0" smtClean="0"/>
-              <a:t>(Energy Day 02)</a:t>
+              <a:t>(Energy </a:t>
+            </a:r>
+            <a:r>
+              <a:rPr lang="en-US" sz="4000" smtClean="0"/>
+              <a:t>Day </a:t>
+            </a:r>
+            <a:r>
+              <a:rPr lang="en-US" sz="4000" smtClean="0"/>
+              <a:t>03)</a:t>
             </a:r>
             <a:endParaRPr lang="en-US" sz="4000" dirty="0"/>
           </a:p>
@@ -3129,7 +3145,6 @@
               <a:rPr lang="en-CA" dirty="0" smtClean="0"/>
               <a:t>Presentation</a:t>
             </a:r>
-            <a:endParaRPr lang="en-CA" dirty="0" smtClean="0"/>
           </a:p>
           <a:p>
             <a:pPr lvl="2"/>
@@ -3137,7 +3152,6 @@
               <a:rPr lang="en-CA" dirty="0" smtClean="0"/>
               <a:t>Kinetic Energy</a:t>
             </a:r>
-            <a:endParaRPr lang="en-CA" dirty="0" smtClean="0"/>
           </a:p>
           <a:p>
             <a:pPr lvl="2"/>
@@ -3145,7 +3159,6 @@
               <a:rPr lang="en-CA" dirty="0" smtClean="0"/>
               <a:t>Work-Energy Theorem</a:t>
             </a:r>
-            <a:endParaRPr lang="en-CA" dirty="0" smtClean="0"/>
           </a:p>
           <a:p>
             <a:pPr lvl="1"/>
@@ -3153,21 +3166,12 @@
               <a:rPr lang="en-CA" dirty="0" smtClean="0"/>
               <a:t>Worksheets: </a:t>
             </a:r>
-            <a:endParaRPr lang="en-CA" dirty="0" smtClean="0"/>
           </a:p>
           <a:p>
             <a:pPr lvl="2"/>
             <a:r>
               <a:rPr lang="en-CA" dirty="0" smtClean="0"/>
-              <a:t>Worksheet</a:t>
-            </a:r>
-            <a:r>
-              <a:rPr lang="en-CA" dirty="0" smtClean="0"/>
-              <a:t>: Work &amp; Energy </a:t>
-            </a:r>
-            <a:r>
-              <a:rPr lang="en-CA" dirty="0" smtClean="0"/>
-              <a:t>Problems</a:t>
+              <a:t>Worksheet: Work &amp; Energy Problems</a:t>
             </a:r>
           </a:p>
           <a:p>
@@ -3176,7 +3180,6 @@
               <a:rPr lang="en-CA" dirty="0" smtClean="0"/>
               <a:t>Worksheet: Kinetic Energy Homework</a:t>
             </a:r>
-            <a:endParaRPr lang="en-CA" dirty="0" smtClean="0"/>
           </a:p>
           <a:p>
             <a:pPr lvl="2"/>
@@ -3197,13 +3200,8 @@
             <a:pPr lvl="1"/>
             <a:r>
               <a:rPr lang="en-CA" sz="2400" dirty="0" smtClean="0"/>
-              <a:t>Past DUE: Friction </a:t>
-            </a:r>
-            <a:r>
-              <a:rPr lang="en-CA" sz="2400" dirty="0" smtClean="0"/>
-              <a:t>Lab</a:t>
-            </a:r>
-            <a:endParaRPr lang="en-CA" sz="2400" dirty="0" smtClean="0"/>
+              <a:t>Past DUE: Friction Lab</a:t>
+            </a:r>
           </a:p>
         </p:txBody>
       </p:sp>
